--- a/document/ThuyetMinh/TM.pptx
+++ b/document/ThuyetMinh/TM.pptx
@@ -5,7 +5,7 @@
     <p:sldMasterId id="2147483713" r:id="rId1"/>
   </p:sldMasterIdLst>
   <p:notesMasterIdLst>
-    <p:notesMasterId r:id="rId8"/>
+    <p:notesMasterId r:id="rId11"/>
   </p:notesMasterIdLst>
   <p:sldIdLst>
     <p:sldId id="256" r:id="rId2"/>
@@ -13,7 +13,10 @@
     <p:sldId id="257" r:id="rId4"/>
     <p:sldId id="260" r:id="rId5"/>
     <p:sldId id="261" r:id="rId6"/>
-    <p:sldId id="258" r:id="rId7"/>
+    <p:sldId id="262" r:id="rId7"/>
+    <p:sldId id="264" r:id="rId8"/>
+    <p:sldId id="263" r:id="rId9"/>
+    <p:sldId id="265" r:id="rId10"/>
   </p:sldIdLst>
   <p:sldSz cx="9144000" cy="6858000" type="screen4x3"/>
   <p:notesSz cx="6858000" cy="9144000"/>
@@ -974,42 +977,6 @@
         </a:p>
       </dgm:t>
     </dgm:pt>
-    <dgm:pt modelId="{3498D3C2-BA9C-44CD-BA7D-E18566CF9FE6}">
-      <dgm:prSet/>
-      <dgm:spPr/>
-      <dgm:t>
-        <a:bodyPr/>
-        <a:lstStyle/>
-        <a:p>
-          <a:r>
-            <a:rPr lang="en-US"/>
-            <a:t>Cơ sở lý thuyết</a:t>
-          </a:r>
-        </a:p>
-      </dgm:t>
-    </dgm:pt>
-    <dgm:pt modelId="{5058AF21-FDE6-49C3-979D-3B62309D4A62}" type="parTrans" cxnId="{B2D491BA-41EA-4E4C-8251-6D18E2CB0D3E}">
-      <dgm:prSet/>
-      <dgm:spPr/>
-      <dgm:t>
-        <a:bodyPr/>
-        <a:lstStyle/>
-        <a:p>
-          <a:endParaRPr lang="en-US"/>
-        </a:p>
-      </dgm:t>
-    </dgm:pt>
-    <dgm:pt modelId="{7E9048F5-3559-4BCD-BC33-5EBF4DB5A494}" type="sibTrans" cxnId="{B2D491BA-41EA-4E4C-8251-6D18E2CB0D3E}">
-      <dgm:prSet/>
-      <dgm:spPr/>
-      <dgm:t>
-        <a:bodyPr/>
-        <a:lstStyle/>
-        <a:p>
-          <a:endParaRPr lang="en-US"/>
-        </a:p>
-      </dgm:t>
-    </dgm:pt>
     <dgm:pt modelId="{06638F52-4C5C-49AB-9A23-4A6348DECC5E}">
       <dgm:prSet/>
       <dgm:spPr/>
@@ -1082,6 +1049,42 @@
         </a:p>
       </dgm:t>
     </dgm:pt>
+    <dgm:pt modelId="{929231F7-FE56-494F-9865-AD046EB26813}">
+      <dgm:prSet/>
+      <dgm:spPr/>
+      <dgm:t>
+        <a:bodyPr/>
+        <a:lstStyle/>
+        <a:p>
+          <a:r>
+            <a:rPr lang="en-US"/>
+            <a:t>Demo website</a:t>
+          </a:r>
+        </a:p>
+      </dgm:t>
+    </dgm:pt>
+    <dgm:pt modelId="{E9D097B8-79B2-4CF2-AF93-9C83AEF7D0E1}" type="parTrans" cxnId="{2281F654-6627-40DD-8E86-CD875D564803}">
+      <dgm:prSet/>
+      <dgm:spPr/>
+      <dgm:t>
+        <a:bodyPr/>
+        <a:lstStyle/>
+        <a:p>
+          <a:endParaRPr lang="en-US"/>
+        </a:p>
+      </dgm:t>
+    </dgm:pt>
+    <dgm:pt modelId="{BBCB444E-9EFA-4409-8760-E63CC46E2F7F}" type="sibTrans" cxnId="{2281F654-6627-40DD-8E86-CD875D564803}">
+      <dgm:prSet/>
+      <dgm:spPr/>
+      <dgm:t>
+        <a:bodyPr/>
+        <a:lstStyle/>
+        <a:p>
+          <a:endParaRPr lang="en-US"/>
+        </a:p>
+      </dgm:t>
+    </dgm:pt>
     <dgm:pt modelId="{9D9EB2E7-CB85-4B3A-8DC7-C05650D9EB03}" type="pres">
       <dgm:prSet presAssocID="{E8FA3E14-86F8-427F-8A58-D881AC09BD2F}" presName="Name0" presStyleCnt="0">
         <dgm:presLayoutVars>
@@ -1132,66 +1135,66 @@
       <dgm:prSet presAssocID="{FD134F86-2B0A-42FE-866D-BEF9592AD5B3}" presName="accentRepeatNode" presStyleLbl="solidFgAcc1" presStyleIdx="0" presStyleCnt="4"/>
       <dgm:spPr/>
     </dgm:pt>
-    <dgm:pt modelId="{E433DA22-FC8B-46E8-8E3A-652EC7BF4A05}" type="pres">
-      <dgm:prSet presAssocID="{3498D3C2-BA9C-44CD-BA7D-E18566CF9FE6}" presName="text_2" presStyleLbl="node1" presStyleIdx="1" presStyleCnt="4">
+    <dgm:pt modelId="{8DC829E2-C1AD-40BF-AB74-8083A9FAB769}" type="pres">
+      <dgm:prSet presAssocID="{06638F52-4C5C-49AB-9A23-4A6348DECC5E}" presName="text_2" presStyleLbl="node1" presStyleIdx="1" presStyleCnt="4">
         <dgm:presLayoutVars>
           <dgm:bulletEnabled val="1"/>
         </dgm:presLayoutVars>
       </dgm:prSet>
       <dgm:spPr/>
     </dgm:pt>
-    <dgm:pt modelId="{E62E53E6-12B0-4FE8-924D-C56A342A3654}" type="pres">
-      <dgm:prSet presAssocID="{3498D3C2-BA9C-44CD-BA7D-E18566CF9FE6}" presName="accent_2" presStyleCnt="0"/>
+    <dgm:pt modelId="{8FFDF121-EA59-4EBB-8D97-AAA3DEB68494}" type="pres">
+      <dgm:prSet presAssocID="{06638F52-4C5C-49AB-9A23-4A6348DECC5E}" presName="accent_2" presStyleCnt="0"/>
       <dgm:spPr/>
     </dgm:pt>
-    <dgm:pt modelId="{D6707A3A-2B3D-4ACA-B867-66621E54150D}" type="pres">
-      <dgm:prSet presAssocID="{3498D3C2-BA9C-44CD-BA7D-E18566CF9FE6}" presName="accentRepeatNode" presStyleLbl="solidFgAcc1" presStyleIdx="1" presStyleCnt="4"/>
+    <dgm:pt modelId="{B87D6731-BE46-4210-A01A-99A9A09EC079}" type="pres">
+      <dgm:prSet presAssocID="{06638F52-4C5C-49AB-9A23-4A6348DECC5E}" presName="accentRepeatNode" presStyleLbl="solidFgAcc1" presStyleIdx="1" presStyleCnt="4"/>
       <dgm:spPr/>
     </dgm:pt>
-    <dgm:pt modelId="{F81D3C6B-F0E3-4071-B261-0A63E6A66BDF}" type="pres">
-      <dgm:prSet presAssocID="{06638F52-4C5C-49AB-9A23-4A6348DECC5E}" presName="text_3" presStyleLbl="node1" presStyleIdx="2" presStyleCnt="4">
+    <dgm:pt modelId="{2F393242-9560-4907-B19B-75CAE0802E89}" type="pres">
+      <dgm:prSet presAssocID="{2DBE9E92-513C-4B16-9F9E-7ED7D40D8675}" presName="text_3" presStyleLbl="node1" presStyleIdx="2" presStyleCnt="4">
         <dgm:presLayoutVars>
           <dgm:bulletEnabled val="1"/>
         </dgm:presLayoutVars>
       </dgm:prSet>
       <dgm:spPr/>
     </dgm:pt>
-    <dgm:pt modelId="{E1530FE5-38B8-411F-BE14-8A473ED8BBF0}" type="pres">
-      <dgm:prSet presAssocID="{06638F52-4C5C-49AB-9A23-4A6348DECC5E}" presName="accent_3" presStyleCnt="0"/>
+    <dgm:pt modelId="{2D74BF76-D6C9-49FF-A396-0F86B79BD2C1}" type="pres">
+      <dgm:prSet presAssocID="{2DBE9E92-513C-4B16-9F9E-7ED7D40D8675}" presName="accent_3" presStyleCnt="0"/>
       <dgm:spPr/>
     </dgm:pt>
-    <dgm:pt modelId="{B87D6731-BE46-4210-A01A-99A9A09EC079}" type="pres">
-      <dgm:prSet presAssocID="{06638F52-4C5C-49AB-9A23-4A6348DECC5E}" presName="accentRepeatNode" presStyleLbl="solidFgAcc1" presStyleIdx="2" presStyleCnt="4"/>
+    <dgm:pt modelId="{CFAFF63C-1BA5-4D35-8F2E-5FB8DE06292C}" type="pres">
+      <dgm:prSet presAssocID="{2DBE9E92-513C-4B16-9F9E-7ED7D40D8675}" presName="accentRepeatNode" presStyleLbl="solidFgAcc1" presStyleIdx="2" presStyleCnt="4"/>
       <dgm:spPr/>
     </dgm:pt>
-    <dgm:pt modelId="{E60EE4D2-F37F-4C9F-B291-833537CA757A}" type="pres">
-      <dgm:prSet presAssocID="{2DBE9E92-513C-4B16-9F9E-7ED7D40D8675}" presName="text_4" presStyleLbl="node1" presStyleIdx="3" presStyleCnt="4">
+    <dgm:pt modelId="{5D8C229F-5F9B-46E4-B796-8480B7BAEB4D}" type="pres">
+      <dgm:prSet presAssocID="{929231F7-FE56-494F-9865-AD046EB26813}" presName="text_4" presStyleLbl="node1" presStyleIdx="3" presStyleCnt="4">
         <dgm:presLayoutVars>
           <dgm:bulletEnabled val="1"/>
         </dgm:presLayoutVars>
       </dgm:prSet>
       <dgm:spPr/>
     </dgm:pt>
-    <dgm:pt modelId="{0C1D25A8-1477-4A70-B55B-1E1B8362622E}" type="pres">
-      <dgm:prSet presAssocID="{2DBE9E92-513C-4B16-9F9E-7ED7D40D8675}" presName="accent_4" presStyleCnt="0"/>
+    <dgm:pt modelId="{B29AC256-36D4-41C1-8E4B-DB099FE27EE1}" type="pres">
+      <dgm:prSet presAssocID="{929231F7-FE56-494F-9865-AD046EB26813}" presName="accent_4" presStyleCnt="0"/>
       <dgm:spPr/>
     </dgm:pt>
-    <dgm:pt modelId="{CFAFF63C-1BA5-4D35-8F2E-5FB8DE06292C}" type="pres">
-      <dgm:prSet presAssocID="{2DBE9E92-513C-4B16-9F9E-7ED7D40D8675}" presName="accentRepeatNode" presStyleLbl="solidFgAcc1" presStyleIdx="3" presStyleCnt="4"/>
+    <dgm:pt modelId="{4342A361-6211-40B4-A5F3-74E538B29F9A}" type="pres">
+      <dgm:prSet presAssocID="{929231F7-FE56-494F-9865-AD046EB26813}" presName="accentRepeatNode" presStyleLbl="solidFgAcc1" presStyleIdx="3" presStyleCnt="4"/>
       <dgm:spPr/>
     </dgm:pt>
   </dgm:ptLst>
   <dgm:cxnLst>
-    <dgm:cxn modelId="{07CA0F39-6AB1-4DBB-94EB-2345109F2A83}" type="presOf" srcId="{3498D3C2-BA9C-44CD-BA7D-E18566CF9FE6}" destId="{E433DA22-FC8B-46E8-8E3A-652EC7BF4A05}" srcOrd="0" destOrd="0" presId="urn:microsoft.com/office/officeart/2008/layout/VerticalCurvedList"/>
+    <dgm:cxn modelId="{6CD5844C-DA46-41F2-B606-A82EAFCC9A3B}" type="presOf" srcId="{06638F52-4C5C-49AB-9A23-4A6348DECC5E}" destId="{8DC829E2-C1AD-40BF-AB74-8083A9FAB769}" srcOrd="0" destOrd="0" presId="urn:microsoft.com/office/officeart/2008/layout/VerticalCurvedList"/>
     <dgm:cxn modelId="{C8AB4952-DAD3-4745-8861-88C9EFE4D4C8}" type="presOf" srcId="{E8FA3E14-86F8-427F-8A58-D881AC09BD2F}" destId="{9D9EB2E7-CB85-4B3A-8DC7-C05650D9EB03}" srcOrd="0" destOrd="0" presId="urn:microsoft.com/office/officeart/2008/layout/VerticalCurvedList"/>
     <dgm:cxn modelId="{E30CC573-9312-4B7A-9C1F-FF57D1A0D984}" type="presOf" srcId="{4884A2A3-EB30-4C70-A60D-0F467CBA3989}" destId="{50966E7D-91C6-44EF-9645-F377BF611989}" srcOrd="0" destOrd="0" presId="urn:microsoft.com/office/officeart/2008/layout/VerticalCurvedList"/>
+    <dgm:cxn modelId="{2281F654-6627-40DD-8E86-CD875D564803}" srcId="{E8FA3E14-86F8-427F-8A58-D881AC09BD2F}" destId="{929231F7-FE56-494F-9865-AD046EB26813}" srcOrd="3" destOrd="0" parTransId="{E9D097B8-79B2-4CF2-AF93-9C83AEF7D0E1}" sibTransId="{BBCB444E-9EFA-4409-8760-E63CC46E2F7F}"/>
     <dgm:cxn modelId="{9D141A7A-2957-490C-A472-7846BA1DF73A}" srcId="{E8FA3E14-86F8-427F-8A58-D881AC09BD2F}" destId="{FD134F86-2B0A-42FE-866D-BEF9592AD5B3}" srcOrd="0" destOrd="0" parTransId="{BE7CEFCE-9904-4851-B1BF-128733E14C72}" sibTransId="{4884A2A3-EB30-4C70-A60D-0F467CBA3989}"/>
-    <dgm:cxn modelId="{0D73E6A9-6F01-429C-B111-B19F2AD0F9DD}" srcId="{E8FA3E14-86F8-427F-8A58-D881AC09BD2F}" destId="{2DBE9E92-513C-4B16-9F9E-7ED7D40D8675}" srcOrd="3" destOrd="0" parTransId="{3BD9CEB3-E6F0-438F-A148-C4E50D7F6C3B}" sibTransId="{67D9A21E-08E5-4510-BDE0-77E33CA1932D}"/>
-    <dgm:cxn modelId="{B2D491BA-41EA-4E4C-8251-6D18E2CB0D3E}" srcId="{E8FA3E14-86F8-427F-8A58-D881AC09BD2F}" destId="{3498D3C2-BA9C-44CD-BA7D-E18566CF9FE6}" srcOrd="1" destOrd="0" parTransId="{5058AF21-FDE6-49C3-979D-3B62309D4A62}" sibTransId="{7E9048F5-3559-4BCD-BC33-5EBF4DB5A494}"/>
-    <dgm:cxn modelId="{6EF024DA-E81E-4B1F-8E2B-5804C492BB41}" srcId="{E8FA3E14-86F8-427F-8A58-D881AC09BD2F}" destId="{06638F52-4C5C-49AB-9A23-4A6348DECC5E}" srcOrd="2" destOrd="0" parTransId="{DF8FA250-D1D5-4024-ABB1-5F38C1505275}" sibTransId="{0D83D8A8-3AFC-4125-8ADA-1133D91C30AB}"/>
+    <dgm:cxn modelId="{F0D2FA7B-3FC8-4AB9-9ADE-44A5237E559E}" type="presOf" srcId="{929231F7-FE56-494F-9865-AD046EB26813}" destId="{5D8C229F-5F9B-46E4-B796-8480B7BAEB4D}" srcOrd="0" destOrd="0" presId="urn:microsoft.com/office/officeart/2008/layout/VerticalCurvedList"/>
+    <dgm:cxn modelId="{0D73E6A9-6F01-429C-B111-B19F2AD0F9DD}" srcId="{E8FA3E14-86F8-427F-8A58-D881AC09BD2F}" destId="{2DBE9E92-513C-4B16-9F9E-7ED7D40D8675}" srcOrd="2" destOrd="0" parTransId="{3BD9CEB3-E6F0-438F-A148-C4E50D7F6C3B}" sibTransId="{67D9A21E-08E5-4510-BDE0-77E33CA1932D}"/>
+    <dgm:cxn modelId="{C92DA2C9-57E6-43CE-8184-499AE0DD5FEB}" type="presOf" srcId="{2DBE9E92-513C-4B16-9F9E-7ED7D40D8675}" destId="{2F393242-9560-4907-B19B-75CAE0802E89}" srcOrd="0" destOrd="0" presId="urn:microsoft.com/office/officeart/2008/layout/VerticalCurvedList"/>
+    <dgm:cxn modelId="{6EF024DA-E81E-4B1F-8E2B-5804C492BB41}" srcId="{E8FA3E14-86F8-427F-8A58-D881AC09BD2F}" destId="{06638F52-4C5C-49AB-9A23-4A6348DECC5E}" srcOrd="1" destOrd="0" parTransId="{DF8FA250-D1D5-4024-ABB1-5F38C1505275}" sibTransId="{0D83D8A8-3AFC-4125-8ADA-1133D91C30AB}"/>
     <dgm:cxn modelId="{8C6C64F0-452E-4FAB-B459-C1562CCFE3D4}" type="presOf" srcId="{FD134F86-2B0A-42FE-866D-BEF9592AD5B3}" destId="{1BBE9082-F0D6-44E1-A691-E3973982DFBC}" srcOrd="0" destOrd="0" presId="urn:microsoft.com/office/officeart/2008/layout/VerticalCurvedList"/>
-    <dgm:cxn modelId="{78B2A8F2-0826-4969-A2E5-BDCD3D13A317}" type="presOf" srcId="{2DBE9E92-513C-4B16-9F9E-7ED7D40D8675}" destId="{E60EE4D2-F37F-4C9F-B291-833537CA757A}" srcOrd="0" destOrd="0" presId="urn:microsoft.com/office/officeart/2008/layout/VerticalCurvedList"/>
-    <dgm:cxn modelId="{305559FB-A6AF-4AA2-A847-8DFE3AAB2247}" type="presOf" srcId="{06638F52-4C5C-49AB-9A23-4A6348DECC5E}" destId="{F81D3C6B-F0E3-4071-B261-0A63E6A66BDF}" srcOrd="0" destOrd="0" presId="urn:microsoft.com/office/officeart/2008/layout/VerticalCurvedList"/>
     <dgm:cxn modelId="{DFCD86AE-33B4-4E30-8DD5-3C678B1A93B0}" type="presParOf" srcId="{9D9EB2E7-CB85-4B3A-8DC7-C05650D9EB03}" destId="{65D06B36-EADD-40D7-8705-88A297AEDF20}" srcOrd="0" destOrd="0" presId="urn:microsoft.com/office/officeart/2008/layout/VerticalCurvedList"/>
     <dgm:cxn modelId="{B1CC5DDA-7292-4B93-9E68-1E3B7D164601}" type="presParOf" srcId="{65D06B36-EADD-40D7-8705-88A297AEDF20}" destId="{7BEC3656-599F-4E3A-B086-A6C65A437079}" srcOrd="0" destOrd="0" presId="urn:microsoft.com/office/officeart/2008/layout/VerticalCurvedList"/>
     <dgm:cxn modelId="{F2A57312-519C-4632-AB18-EACC8514B2E8}" type="presParOf" srcId="{7BEC3656-599F-4E3A-B086-A6C65A437079}" destId="{6ADAE5A3-3113-4612-BEC0-B998EA1915C7}" srcOrd="0" destOrd="0" presId="urn:microsoft.com/office/officeart/2008/layout/VerticalCurvedList"/>
@@ -1201,21 +1204,21 @@
     <dgm:cxn modelId="{5895DC00-3F0C-4458-919C-8460EAC5935D}" type="presParOf" srcId="{65D06B36-EADD-40D7-8705-88A297AEDF20}" destId="{1BBE9082-F0D6-44E1-A691-E3973982DFBC}" srcOrd="1" destOrd="0" presId="urn:microsoft.com/office/officeart/2008/layout/VerticalCurvedList"/>
     <dgm:cxn modelId="{554A2ACE-8A32-4E6A-A56E-B18EA7BBED9F}" type="presParOf" srcId="{65D06B36-EADD-40D7-8705-88A297AEDF20}" destId="{BB889259-CA96-41E6-BE3C-75DA43DDDD3E}" srcOrd="2" destOrd="0" presId="urn:microsoft.com/office/officeart/2008/layout/VerticalCurvedList"/>
     <dgm:cxn modelId="{6FA32688-636C-4520-B3B7-403E05D6417B}" type="presParOf" srcId="{BB889259-CA96-41E6-BE3C-75DA43DDDD3E}" destId="{3C7D45AC-886C-438B-97C8-3B3B4BE1307F}" srcOrd="0" destOrd="0" presId="urn:microsoft.com/office/officeart/2008/layout/VerticalCurvedList"/>
-    <dgm:cxn modelId="{33C52CC5-1A37-4B58-A4FB-29FA98FD720B}" type="presParOf" srcId="{65D06B36-EADD-40D7-8705-88A297AEDF20}" destId="{E433DA22-FC8B-46E8-8E3A-652EC7BF4A05}" srcOrd="3" destOrd="0" presId="urn:microsoft.com/office/officeart/2008/layout/VerticalCurvedList"/>
-    <dgm:cxn modelId="{53DF7BEC-BB56-4778-8F22-8150E25ECE5D}" type="presParOf" srcId="{65D06B36-EADD-40D7-8705-88A297AEDF20}" destId="{E62E53E6-12B0-4FE8-924D-C56A342A3654}" srcOrd="4" destOrd="0" presId="urn:microsoft.com/office/officeart/2008/layout/VerticalCurvedList"/>
-    <dgm:cxn modelId="{CA2DFBA6-7045-42A7-BF71-2E30947C8E57}" type="presParOf" srcId="{E62E53E6-12B0-4FE8-924D-C56A342A3654}" destId="{D6707A3A-2B3D-4ACA-B867-66621E54150D}" srcOrd="0" destOrd="0" presId="urn:microsoft.com/office/officeart/2008/layout/VerticalCurvedList"/>
-    <dgm:cxn modelId="{9E21C6E5-611A-4216-BA18-B75FF7B1A788}" type="presParOf" srcId="{65D06B36-EADD-40D7-8705-88A297AEDF20}" destId="{F81D3C6B-F0E3-4071-B261-0A63E6A66BDF}" srcOrd="5" destOrd="0" presId="urn:microsoft.com/office/officeart/2008/layout/VerticalCurvedList"/>
-    <dgm:cxn modelId="{BF278AEE-CA66-4D1D-9160-A77873EAD361}" type="presParOf" srcId="{65D06B36-EADD-40D7-8705-88A297AEDF20}" destId="{E1530FE5-38B8-411F-BE14-8A473ED8BBF0}" srcOrd="6" destOrd="0" presId="urn:microsoft.com/office/officeart/2008/layout/VerticalCurvedList"/>
-    <dgm:cxn modelId="{945A618F-72C3-4669-836E-1C507518620F}" type="presParOf" srcId="{E1530FE5-38B8-411F-BE14-8A473ED8BBF0}" destId="{B87D6731-BE46-4210-A01A-99A9A09EC079}" srcOrd="0" destOrd="0" presId="urn:microsoft.com/office/officeart/2008/layout/VerticalCurvedList"/>
-    <dgm:cxn modelId="{CC19643C-6E89-4B85-BF7E-018E1D8F6C43}" type="presParOf" srcId="{65D06B36-EADD-40D7-8705-88A297AEDF20}" destId="{E60EE4D2-F37F-4C9F-B291-833537CA757A}" srcOrd="7" destOrd="0" presId="urn:microsoft.com/office/officeart/2008/layout/VerticalCurvedList"/>
-    <dgm:cxn modelId="{D5868713-1D0F-4A36-8BB8-E4E604A8CB78}" type="presParOf" srcId="{65D06B36-EADD-40D7-8705-88A297AEDF20}" destId="{0C1D25A8-1477-4A70-B55B-1E1B8362622E}" srcOrd="8" destOrd="0" presId="urn:microsoft.com/office/officeart/2008/layout/VerticalCurvedList"/>
-    <dgm:cxn modelId="{950B1954-08E6-4BB7-AE3B-22FE8F0F3721}" type="presParOf" srcId="{0C1D25A8-1477-4A70-B55B-1E1B8362622E}" destId="{CFAFF63C-1BA5-4D35-8F2E-5FB8DE06292C}" srcOrd="0" destOrd="0" presId="urn:microsoft.com/office/officeart/2008/layout/VerticalCurvedList"/>
+    <dgm:cxn modelId="{24BA19F4-E282-4045-BD1E-88B3EF541F7C}" type="presParOf" srcId="{65D06B36-EADD-40D7-8705-88A297AEDF20}" destId="{8DC829E2-C1AD-40BF-AB74-8083A9FAB769}" srcOrd="3" destOrd="0" presId="urn:microsoft.com/office/officeart/2008/layout/VerticalCurvedList"/>
+    <dgm:cxn modelId="{091548D7-D692-408B-8110-4944255F71B4}" type="presParOf" srcId="{65D06B36-EADD-40D7-8705-88A297AEDF20}" destId="{8FFDF121-EA59-4EBB-8D97-AAA3DEB68494}" srcOrd="4" destOrd="0" presId="urn:microsoft.com/office/officeart/2008/layout/VerticalCurvedList"/>
+    <dgm:cxn modelId="{CD46AE47-996B-4C5C-8427-EAB392D5CD78}" type="presParOf" srcId="{8FFDF121-EA59-4EBB-8D97-AAA3DEB68494}" destId="{B87D6731-BE46-4210-A01A-99A9A09EC079}" srcOrd="0" destOrd="0" presId="urn:microsoft.com/office/officeart/2008/layout/VerticalCurvedList"/>
+    <dgm:cxn modelId="{FAF2EE04-311C-48D6-ADD6-48079AC5A38E}" type="presParOf" srcId="{65D06B36-EADD-40D7-8705-88A297AEDF20}" destId="{2F393242-9560-4907-B19B-75CAE0802E89}" srcOrd="5" destOrd="0" presId="urn:microsoft.com/office/officeart/2008/layout/VerticalCurvedList"/>
+    <dgm:cxn modelId="{1ECCA656-848C-4434-A2F7-5C546499D18A}" type="presParOf" srcId="{65D06B36-EADD-40D7-8705-88A297AEDF20}" destId="{2D74BF76-D6C9-49FF-A396-0F86B79BD2C1}" srcOrd="6" destOrd="0" presId="urn:microsoft.com/office/officeart/2008/layout/VerticalCurvedList"/>
+    <dgm:cxn modelId="{55EEDB63-6D9B-4764-8289-FF7A93823879}" type="presParOf" srcId="{2D74BF76-D6C9-49FF-A396-0F86B79BD2C1}" destId="{CFAFF63C-1BA5-4D35-8F2E-5FB8DE06292C}" srcOrd="0" destOrd="0" presId="urn:microsoft.com/office/officeart/2008/layout/VerticalCurvedList"/>
+    <dgm:cxn modelId="{5290A62D-12DE-4D9C-950A-2A498CF9EDFC}" type="presParOf" srcId="{65D06B36-EADD-40D7-8705-88A297AEDF20}" destId="{5D8C229F-5F9B-46E4-B796-8480B7BAEB4D}" srcOrd="7" destOrd="0" presId="urn:microsoft.com/office/officeart/2008/layout/VerticalCurvedList"/>
+    <dgm:cxn modelId="{D58BE92A-24AF-4308-9E54-102469FFBC9F}" type="presParOf" srcId="{65D06B36-EADD-40D7-8705-88A297AEDF20}" destId="{B29AC256-36D4-41C1-8E4B-DB099FE27EE1}" srcOrd="8" destOrd="0" presId="urn:microsoft.com/office/officeart/2008/layout/VerticalCurvedList"/>
+    <dgm:cxn modelId="{C0B6B046-D61B-47F8-9996-6C9F2982AFD6}" type="presParOf" srcId="{B29AC256-36D4-41C1-8E4B-DB099FE27EE1}" destId="{4342A361-6211-40B4-A5F3-74E538B29F9A}" srcOrd="0" destOrd="0" presId="urn:microsoft.com/office/officeart/2008/layout/VerticalCurvedList"/>
   </dgm:cxnLst>
   <dgm:bg/>
   <dgm:whole/>
   <dgm:extLst>
     <a:ext uri="http://schemas.microsoft.com/office/drawing/2008/diagram">
-      <dsp:dataModelExt xmlns:dsp="http://schemas.microsoft.com/office/drawing/2008/diagram" relId="rId6" minVer="http://schemas.openxmlformats.org/drawingml/2006/diagram"/>
+      <dsp:dataModelExt xmlns:dsp="http://schemas.microsoft.com/office/drawing/2008/diagram" relId="rId7" minVer="http://schemas.openxmlformats.org/drawingml/2006/diagram"/>
     </a:ext>
   </dgm:extLst>
 </dgm:dataModel>
@@ -1459,7 +1462,7 @@
         <a:fontRef idx="minor"/>
       </dsp:style>
     </dsp:sp>
-    <dsp:sp modelId="{E433DA22-FC8B-46E8-8E3A-652EC7BF4A05}">
+    <dsp:sp modelId="{8DC829E2-C1AD-40BF-AB74-8083A9FAB769}">
       <dsp:nvSpPr>
         <dsp:cNvPr id="0" name=""/>
         <dsp:cNvSpPr/>
@@ -1557,7 +1560,7 @@
           </a:pPr>
           <a:r>
             <a:rPr lang="en-US" sz="3200" kern="1200"/>
-            <a:t>Cơ sở lý thuyết</a:t>
+            <a:t>Nội dung thực hiện</a:t>
           </a:r>
         </a:p>
       </dsp:txBody>
@@ -1566,7 +1569,7 @@
         <a:ext cx="6678914" cy="618856"/>
       </dsp:txXfrm>
     </dsp:sp>
-    <dsp:sp modelId="{D6707A3A-2B3D-4ACA-B867-66621E54150D}">
+    <dsp:sp modelId="{B87D6731-BE46-4210-A01A-99A9A09EC079}">
       <dsp:nvSpPr>
         <dsp:cNvPr id="0" name=""/>
         <dsp:cNvSpPr/>
@@ -1644,7 +1647,7 @@
         <a:fontRef idx="minor"/>
       </dsp:style>
     </dsp:sp>
-    <dsp:sp modelId="{F81D3C6B-F0E3-4071-B261-0A63E6A66BDF}">
+    <dsp:sp modelId="{2F393242-9560-4907-B19B-75CAE0802E89}">
       <dsp:nvSpPr>
         <dsp:cNvPr id="0" name=""/>
         <dsp:cNvSpPr/>
@@ -1742,7 +1745,7 @@
           </a:pPr>
           <a:r>
             <a:rPr lang="en-US" sz="3200" kern="1200"/>
-            <a:t>Nội dung thực hiện</a:t>
+            <a:t>Kết luận</a:t>
           </a:r>
         </a:p>
       </dsp:txBody>
@@ -1751,7 +1754,7 @@
         <a:ext cx="6678914" cy="618856"/>
       </dsp:txXfrm>
     </dsp:sp>
-    <dsp:sp modelId="{B87D6731-BE46-4210-A01A-99A9A09EC079}">
+    <dsp:sp modelId="{CFAFF63C-1BA5-4D35-8F2E-5FB8DE06292C}">
       <dsp:nvSpPr>
         <dsp:cNvPr id="0" name=""/>
         <dsp:cNvSpPr/>
@@ -1829,7 +1832,7 @@
         <a:fontRef idx="minor"/>
       </dsp:style>
     </dsp:sp>
-    <dsp:sp modelId="{E60EE4D2-F37F-4C9F-B291-833537CA757A}">
+    <dsp:sp modelId="{5D8C229F-5F9B-46E4-B796-8480B7BAEB4D}">
       <dsp:nvSpPr>
         <dsp:cNvPr id="0" name=""/>
         <dsp:cNvSpPr/>
@@ -1927,7 +1930,7 @@
           </a:pPr>
           <a:r>
             <a:rPr lang="en-US" sz="3200" kern="1200"/>
-            <a:t>Kết luận</a:t>
+            <a:t>Demo website</a:t>
           </a:r>
         </a:p>
       </dsp:txBody>
@@ -1936,7 +1939,7 @@
         <a:ext cx="7033718" cy="618856"/>
       </dsp:txXfrm>
     </dsp:sp>
-    <dsp:sp modelId="{CFAFF63C-1BA5-4D35-8F2E-5FB8DE06292C}">
+    <dsp:sp modelId="{4342A361-6211-40B4-A5F3-74E538B29F9A}">
       <dsp:nvSpPr>
         <dsp:cNvPr id="0" name=""/>
         <dsp:cNvSpPr/>
@@ -4438,7 +4441,7 @@
           <a:p>
             <a:fld id="{2054B192-0A45-499F-ABF2-93CA5C155453}" type="datetimeFigureOut">
               <a:rPr lang="en-US" smtClean="0"/>
-              <a:t>1/11/2018</a:t>
+              <a:t>1/13/2018</a:t>
             </a:fld>
             <a:endParaRPr lang="en-US"/>
           </a:p>
@@ -4749,7 +4752,10 @@
           <a:bodyPr/>
           <a:lstStyle/>
           <a:p>
-            <a:endParaRPr lang="en-US"/>
+            <a:r>
+              <a:rPr lang="en-US"/>
+              <a:t>Sau đây, em xin trình bày đồ án xây dựng website cho thuê phòng trọ của mình</a:t>
+            </a:r>
           </a:p>
         </p:txBody>
       </p:sp>
@@ -4770,7 +4776,7 @@
           <a:p>
             <a:fld id="{11299D7C-3B8E-4E9E-B6DA-40F991CFF841}" type="slidenum">
               <a:rPr lang="en-US" smtClean="0"/>
-              <a:t>4</a:t>
+              <a:t>1</a:t>
             </a:fld>
             <a:endParaRPr lang="en-US"/>
           </a:p>
@@ -4779,7 +4785,7 @@
     </p:spTree>
     <p:extLst>
       <p:ext uri="{BB962C8B-B14F-4D97-AF65-F5344CB8AC3E}">
-        <p14:creationId xmlns:p14="http://schemas.microsoft.com/office/powerpoint/2010/main" val="4217462724"/>
+        <p14:creationId xmlns:p14="http://schemas.microsoft.com/office/powerpoint/2010/main" val="1184079401"/>
       </p:ext>
     </p:extLst>
   </p:cSld>
@@ -4833,6 +4839,300 @@
           <a:bodyPr/>
           <a:lstStyle/>
           <a:p>
+            <a:endParaRPr lang="en-US"/>
+          </a:p>
+        </p:txBody>
+      </p:sp>
+      <p:sp>
+        <p:nvSpPr>
+          <p:cNvPr id="4" name="Slide Number Placeholder 3"/>
+          <p:cNvSpPr>
+            <a:spLocks noGrp="1"/>
+          </p:cNvSpPr>
+          <p:nvPr>
+            <p:ph type="sldNum" sz="quarter" idx="10"/>
+          </p:nvPr>
+        </p:nvSpPr>
+        <p:spPr/>
+        <p:txBody>
+          <a:bodyPr/>
+          <a:lstStyle/>
+          <a:p>
+            <a:fld id="{11299D7C-3B8E-4E9E-B6DA-40F991CFF841}" type="slidenum">
+              <a:rPr lang="en-US" smtClean="0"/>
+              <a:t>2</a:t>
+            </a:fld>
+            <a:endParaRPr lang="en-US"/>
+          </a:p>
+        </p:txBody>
+      </p:sp>
+    </p:spTree>
+    <p:extLst>
+      <p:ext uri="{BB962C8B-B14F-4D97-AF65-F5344CB8AC3E}">
+        <p14:creationId xmlns:p14="http://schemas.microsoft.com/office/powerpoint/2010/main" val="3493988130"/>
+      </p:ext>
+    </p:extLst>
+  </p:cSld>
+  <p:clrMapOvr>
+    <a:masterClrMapping/>
+  </p:clrMapOvr>
+</p:notes>
+</file>
+
+<file path=ppt/notesSlides/notesSlide3.xml><?xml version="1.0" encoding="utf-8"?>
+<p:notes xmlns:a="http://schemas.openxmlformats.org/drawingml/2006/main" xmlns:r="http://schemas.openxmlformats.org/officeDocument/2006/relationships" xmlns:p="http://schemas.openxmlformats.org/presentationml/2006/main">
+  <p:cSld>
+    <p:spTree>
+      <p:nvGrpSpPr>
+        <p:cNvPr id="1" name=""/>
+        <p:cNvGrpSpPr/>
+        <p:nvPr/>
+      </p:nvGrpSpPr>
+      <p:grpSpPr>
+        <a:xfrm>
+          <a:off x="0" y="0"/>
+          <a:ext cx="0" cy="0"/>
+          <a:chOff x="0" y="0"/>
+          <a:chExt cx="0" cy="0"/>
+        </a:xfrm>
+      </p:grpSpPr>
+      <p:sp>
+        <p:nvSpPr>
+          <p:cNvPr id="2" name="Slide Image Placeholder 1"/>
+          <p:cNvSpPr>
+            <a:spLocks noGrp="1" noRot="1" noChangeAspect="1"/>
+          </p:cNvSpPr>
+          <p:nvPr>
+            <p:ph type="sldImg"/>
+          </p:nvPr>
+        </p:nvSpPr>
+        <p:spPr/>
+      </p:sp>
+      <p:sp>
+        <p:nvSpPr>
+          <p:cNvPr id="3" name="Notes Placeholder 2"/>
+          <p:cNvSpPr>
+            <a:spLocks noGrp="1"/>
+          </p:cNvSpPr>
+          <p:nvPr>
+            <p:ph type="body" idx="1"/>
+          </p:nvPr>
+        </p:nvSpPr>
+        <p:spPr/>
+        <p:txBody>
+          <a:bodyPr/>
+          <a:lstStyle/>
+          <a:p>
+            <a:r>
+              <a:rPr lang="en-US"/>
+              <a:t>Hiện tại nhu cầu tìm kiếm phòng trọ rất nhiều. Trang web để tìm kiếm thông tin phòng cũng nhiều nh</a:t>
+            </a:r>
+            <a:r>
+              <a:rPr lang="vi-VN"/>
+              <a:t>ư</a:t>
+            </a:r>
+            <a:r>
+              <a:rPr lang="en-US"/>
+              <a:t>ng không mang lại nhiều kết quả khả quan</a:t>
+            </a:r>
+          </a:p>
+          <a:p>
+            <a:r>
+              <a:rPr lang="en-US"/>
+              <a:t>Nên em muốn thiết kế một website có thể khắc phục đ</a:t>
+            </a:r>
+            <a:r>
+              <a:rPr lang="vi-VN"/>
+              <a:t>ư</a:t>
+            </a:r>
+            <a:r>
+              <a:rPr lang="en-US"/>
+              <a:t>ợc những nhược điểm đó và phát triển thêm các chức năng cần thiết nh</a:t>
+            </a:r>
+            <a:r>
+              <a:rPr lang="vi-VN"/>
+              <a:t>ư</a:t>
+            </a:r>
+            <a:r>
+              <a:rPr lang="en-US"/>
+              <a:t> “đặt chỗ”</a:t>
+            </a:r>
+          </a:p>
+          <a:p>
+            <a:endParaRPr lang="en-US"/>
+          </a:p>
+          <a:p>
+            <a:r>
+              <a:rPr lang="en-US"/>
+              <a:t>Ngày nay mọi thứ đều đang dần tin học hóa.</a:t>
+            </a:r>
+          </a:p>
+        </p:txBody>
+      </p:sp>
+      <p:sp>
+        <p:nvSpPr>
+          <p:cNvPr id="4" name="Slide Number Placeholder 3"/>
+          <p:cNvSpPr>
+            <a:spLocks noGrp="1"/>
+          </p:cNvSpPr>
+          <p:nvPr>
+            <p:ph type="sldNum" sz="quarter" idx="10"/>
+          </p:nvPr>
+        </p:nvSpPr>
+        <p:spPr/>
+        <p:txBody>
+          <a:bodyPr/>
+          <a:lstStyle/>
+          <a:p>
+            <a:fld id="{11299D7C-3B8E-4E9E-B6DA-40F991CFF841}" type="slidenum">
+              <a:rPr lang="en-US" smtClean="0"/>
+              <a:t>3</a:t>
+            </a:fld>
+            <a:endParaRPr lang="en-US"/>
+          </a:p>
+        </p:txBody>
+      </p:sp>
+    </p:spTree>
+    <p:extLst>
+      <p:ext uri="{BB962C8B-B14F-4D97-AF65-F5344CB8AC3E}">
+        <p14:creationId xmlns:p14="http://schemas.microsoft.com/office/powerpoint/2010/main" val="423522954"/>
+      </p:ext>
+    </p:extLst>
+  </p:cSld>
+  <p:clrMapOvr>
+    <a:masterClrMapping/>
+  </p:clrMapOvr>
+</p:notes>
+</file>
+
+<file path=ppt/notesSlides/notesSlide4.xml><?xml version="1.0" encoding="utf-8"?>
+<p:notes xmlns:a="http://schemas.openxmlformats.org/drawingml/2006/main" xmlns:r="http://schemas.openxmlformats.org/officeDocument/2006/relationships" xmlns:p="http://schemas.openxmlformats.org/presentationml/2006/main">
+  <p:cSld>
+    <p:spTree>
+      <p:nvGrpSpPr>
+        <p:cNvPr id="1" name=""/>
+        <p:cNvGrpSpPr/>
+        <p:nvPr/>
+      </p:nvGrpSpPr>
+      <p:grpSpPr>
+        <a:xfrm>
+          <a:off x="0" y="0"/>
+          <a:ext cx="0" cy="0"/>
+          <a:chOff x="0" y="0"/>
+          <a:chExt cx="0" cy="0"/>
+        </a:xfrm>
+      </p:grpSpPr>
+      <p:sp>
+        <p:nvSpPr>
+          <p:cNvPr id="2" name="Slide Image Placeholder 1"/>
+          <p:cNvSpPr>
+            <a:spLocks noGrp="1" noRot="1" noChangeAspect="1"/>
+          </p:cNvSpPr>
+          <p:nvPr>
+            <p:ph type="sldImg"/>
+          </p:nvPr>
+        </p:nvSpPr>
+        <p:spPr/>
+      </p:sp>
+      <p:sp>
+        <p:nvSpPr>
+          <p:cNvPr id="3" name="Notes Placeholder 2"/>
+          <p:cNvSpPr>
+            <a:spLocks noGrp="1"/>
+          </p:cNvSpPr>
+          <p:nvPr>
+            <p:ph type="body" idx="1"/>
+          </p:nvPr>
+        </p:nvSpPr>
+        <p:spPr/>
+        <p:txBody>
+          <a:bodyPr/>
+          <a:lstStyle/>
+          <a:p>
+            <a:endParaRPr lang="en-US"/>
+          </a:p>
+        </p:txBody>
+      </p:sp>
+      <p:sp>
+        <p:nvSpPr>
+          <p:cNvPr id="4" name="Slide Number Placeholder 3"/>
+          <p:cNvSpPr>
+            <a:spLocks noGrp="1"/>
+          </p:cNvSpPr>
+          <p:nvPr>
+            <p:ph type="sldNum" sz="quarter" idx="10"/>
+          </p:nvPr>
+        </p:nvSpPr>
+        <p:spPr/>
+        <p:txBody>
+          <a:bodyPr/>
+          <a:lstStyle/>
+          <a:p>
+            <a:fld id="{11299D7C-3B8E-4E9E-B6DA-40F991CFF841}" type="slidenum">
+              <a:rPr lang="en-US" smtClean="0"/>
+              <a:t>4</a:t>
+            </a:fld>
+            <a:endParaRPr lang="en-US"/>
+          </a:p>
+        </p:txBody>
+      </p:sp>
+    </p:spTree>
+    <p:extLst>
+      <p:ext uri="{BB962C8B-B14F-4D97-AF65-F5344CB8AC3E}">
+        <p14:creationId xmlns:p14="http://schemas.microsoft.com/office/powerpoint/2010/main" val="4217462724"/>
+      </p:ext>
+    </p:extLst>
+  </p:cSld>
+  <p:clrMapOvr>
+    <a:masterClrMapping/>
+  </p:clrMapOvr>
+</p:notes>
+</file>
+
+<file path=ppt/notesSlides/notesSlide5.xml><?xml version="1.0" encoding="utf-8"?>
+<p:notes xmlns:a="http://schemas.openxmlformats.org/drawingml/2006/main" xmlns:r="http://schemas.openxmlformats.org/officeDocument/2006/relationships" xmlns:p="http://schemas.openxmlformats.org/presentationml/2006/main">
+  <p:cSld>
+    <p:spTree>
+      <p:nvGrpSpPr>
+        <p:cNvPr id="1" name=""/>
+        <p:cNvGrpSpPr/>
+        <p:nvPr/>
+      </p:nvGrpSpPr>
+      <p:grpSpPr>
+        <a:xfrm>
+          <a:off x="0" y="0"/>
+          <a:ext cx="0" cy="0"/>
+          <a:chOff x="0" y="0"/>
+          <a:chExt cx="0" cy="0"/>
+        </a:xfrm>
+      </p:grpSpPr>
+      <p:sp>
+        <p:nvSpPr>
+          <p:cNvPr id="2" name="Slide Image Placeholder 1"/>
+          <p:cNvSpPr>
+            <a:spLocks noGrp="1" noRot="1" noChangeAspect="1"/>
+          </p:cNvSpPr>
+          <p:nvPr>
+            <p:ph type="sldImg"/>
+          </p:nvPr>
+        </p:nvSpPr>
+        <p:spPr/>
+      </p:sp>
+      <p:sp>
+        <p:nvSpPr>
+          <p:cNvPr id="3" name="Notes Placeholder 2"/>
+          <p:cNvSpPr>
+            <a:spLocks noGrp="1"/>
+          </p:cNvSpPr>
+          <p:nvPr>
+            <p:ph type="body" idx="1"/>
+          </p:nvPr>
+        </p:nvSpPr>
+        <p:spPr/>
+        <p:txBody>
+          <a:bodyPr/>
+          <a:lstStyle/>
+          <a:p>
             <a:pPr marL="0" marR="0" lvl="0" indent="0" algn="l" defTabSz="914400" rtl="0" eaLnBrk="1" fontAlgn="auto" latinLnBrk="0" hangingPunct="1">
               <a:lnSpc>
                 <a:spcPct val="100000"/>
@@ -4963,6 +5263,260 @@
     <p:extLst>
       <p:ext uri="{BB962C8B-B14F-4D97-AF65-F5344CB8AC3E}">
         <p14:creationId xmlns:p14="http://schemas.microsoft.com/office/powerpoint/2010/main" val="2852598071"/>
+      </p:ext>
+    </p:extLst>
+  </p:cSld>
+  <p:clrMapOvr>
+    <a:masterClrMapping/>
+  </p:clrMapOvr>
+</p:notes>
+</file>
+
+<file path=ppt/notesSlides/notesSlide6.xml><?xml version="1.0" encoding="utf-8"?>
+<p:notes xmlns:a="http://schemas.openxmlformats.org/drawingml/2006/main" xmlns:r="http://schemas.openxmlformats.org/officeDocument/2006/relationships" xmlns:p="http://schemas.openxmlformats.org/presentationml/2006/main">
+  <p:cSld>
+    <p:spTree>
+      <p:nvGrpSpPr>
+        <p:cNvPr id="1" name=""/>
+        <p:cNvGrpSpPr/>
+        <p:nvPr/>
+      </p:nvGrpSpPr>
+      <p:grpSpPr>
+        <a:xfrm>
+          <a:off x="0" y="0"/>
+          <a:ext cx="0" cy="0"/>
+          <a:chOff x="0" y="0"/>
+          <a:chExt cx="0" cy="0"/>
+        </a:xfrm>
+      </p:grpSpPr>
+      <p:sp>
+        <p:nvSpPr>
+          <p:cNvPr id="2" name="Slide Image Placeholder 1"/>
+          <p:cNvSpPr>
+            <a:spLocks noGrp="1" noRot="1" noChangeAspect="1"/>
+          </p:cNvSpPr>
+          <p:nvPr>
+            <p:ph type="sldImg"/>
+          </p:nvPr>
+        </p:nvSpPr>
+        <p:spPr/>
+      </p:sp>
+      <p:sp>
+        <p:nvSpPr>
+          <p:cNvPr id="3" name="Notes Placeholder 2"/>
+          <p:cNvSpPr>
+            <a:spLocks noGrp="1"/>
+          </p:cNvSpPr>
+          <p:nvPr>
+            <p:ph type="body" idx="1"/>
+          </p:nvPr>
+        </p:nvSpPr>
+        <p:spPr/>
+        <p:txBody>
+          <a:bodyPr/>
+          <a:lstStyle/>
+          <a:p>
+            <a:r>
+              <a:rPr lang="en-US"/>
+              <a:t>KQĐĐ: Hoàn thiện đ</a:t>
+            </a:r>
+            <a:r>
+              <a:rPr lang="vi-VN"/>
+              <a:t>ư</a:t>
+            </a:r>
+            <a:r>
+              <a:rPr lang="en-US"/>
+              <a:t>ợc trang web với giao diện t</a:t>
+            </a:r>
+            <a:r>
+              <a:rPr lang="vi-VN"/>
+              <a:t>ư</a:t>
+            </a:r>
+            <a:r>
+              <a:rPr lang="en-US"/>
+              <a:t>ơng đối dễ nhìn và đầy đủ các chức năng đã đề ra</a:t>
+            </a:r>
+          </a:p>
+          <a:p>
+            <a:r>
+              <a:rPr lang="en-US"/>
+              <a:t>Hạn chế: Thiết kế giao diện ch</a:t>
+            </a:r>
+            <a:r>
+              <a:rPr lang="vi-VN"/>
+              <a:t>ư</a:t>
+            </a:r>
+            <a:r>
+              <a:rPr lang="en-US"/>
+              <a:t>a chuyên nghiệp. Một số chức năng có thể có h</a:t>
+            </a:r>
+            <a:r>
+              <a:rPr lang="vi-VN"/>
+              <a:t>ư</a:t>
+            </a:r>
+            <a:r>
+              <a:rPr lang="en-US"/>
+              <a:t>ớng giải quyết ch</a:t>
+            </a:r>
+            <a:r>
+              <a:rPr lang="vi-VN"/>
+              <a:t>ư</a:t>
+            </a:r>
+            <a:r>
+              <a:rPr lang="en-US"/>
+              <a:t>a tối </a:t>
+            </a:r>
+            <a:r>
+              <a:rPr lang="vi-VN"/>
+              <a:t>ư</a:t>
+            </a:r>
+            <a:r>
+              <a:rPr lang="en-US"/>
+              <a:t>u nhất</a:t>
+            </a:r>
+          </a:p>
+          <a:p>
+            <a:r>
+              <a:rPr lang="en-US"/>
+              <a:t>HPT: có thêm chức năng đánh giá phòng trọ cho ng</a:t>
+            </a:r>
+            <a:r>
+              <a:rPr lang="vi-VN"/>
+              <a:t>ư</a:t>
+            </a:r>
+            <a:r>
+              <a:rPr lang="en-US"/>
+              <a:t>ời dùng</a:t>
+            </a:r>
+          </a:p>
+          <a:p>
+            <a:r>
+              <a:rPr lang="en-US"/>
+              <a:t>Chức năng đăng ký nhận thông báo đặt chỗ qua messenger cho chủ nhà</a:t>
+            </a:r>
+          </a:p>
+          <a:p>
+            <a:r>
+              <a:rPr lang="en-US"/>
+              <a:t>Chức năng reset mật khẩu</a:t>
+            </a:r>
+          </a:p>
+        </p:txBody>
+      </p:sp>
+      <p:sp>
+        <p:nvSpPr>
+          <p:cNvPr id="4" name="Slide Number Placeholder 3"/>
+          <p:cNvSpPr>
+            <a:spLocks noGrp="1"/>
+          </p:cNvSpPr>
+          <p:nvPr>
+            <p:ph type="sldNum" sz="quarter" idx="10"/>
+          </p:nvPr>
+        </p:nvSpPr>
+        <p:spPr/>
+        <p:txBody>
+          <a:bodyPr/>
+          <a:lstStyle/>
+          <a:p>
+            <a:fld id="{11299D7C-3B8E-4E9E-B6DA-40F991CFF841}" type="slidenum">
+              <a:rPr lang="en-US" smtClean="0"/>
+              <a:t>8</a:t>
+            </a:fld>
+            <a:endParaRPr lang="en-US"/>
+          </a:p>
+        </p:txBody>
+      </p:sp>
+    </p:spTree>
+    <p:extLst>
+      <p:ext uri="{BB962C8B-B14F-4D97-AF65-F5344CB8AC3E}">
+        <p14:creationId xmlns:p14="http://schemas.microsoft.com/office/powerpoint/2010/main" val="3978290703"/>
+      </p:ext>
+    </p:extLst>
+  </p:cSld>
+  <p:clrMapOvr>
+    <a:masterClrMapping/>
+  </p:clrMapOvr>
+</p:notes>
+</file>
+
+<file path=ppt/notesSlides/notesSlide7.xml><?xml version="1.0" encoding="utf-8"?>
+<p:notes xmlns:a="http://schemas.openxmlformats.org/drawingml/2006/main" xmlns:r="http://schemas.openxmlformats.org/officeDocument/2006/relationships" xmlns:p="http://schemas.openxmlformats.org/presentationml/2006/main">
+  <p:cSld>
+    <p:spTree>
+      <p:nvGrpSpPr>
+        <p:cNvPr id="1" name=""/>
+        <p:cNvGrpSpPr/>
+        <p:nvPr/>
+      </p:nvGrpSpPr>
+      <p:grpSpPr>
+        <a:xfrm>
+          <a:off x="0" y="0"/>
+          <a:ext cx="0" cy="0"/>
+          <a:chOff x="0" y="0"/>
+          <a:chExt cx="0" cy="0"/>
+        </a:xfrm>
+      </p:grpSpPr>
+      <p:sp>
+        <p:nvSpPr>
+          <p:cNvPr id="2" name="Slide Image Placeholder 1"/>
+          <p:cNvSpPr>
+            <a:spLocks noGrp="1" noRot="1" noChangeAspect="1"/>
+          </p:cNvSpPr>
+          <p:nvPr>
+            <p:ph type="sldImg"/>
+          </p:nvPr>
+        </p:nvSpPr>
+        <p:spPr/>
+      </p:sp>
+      <p:sp>
+        <p:nvSpPr>
+          <p:cNvPr id="3" name="Notes Placeholder 2"/>
+          <p:cNvSpPr>
+            <a:spLocks noGrp="1"/>
+          </p:cNvSpPr>
+          <p:nvPr>
+            <p:ph type="body" idx="1"/>
+          </p:nvPr>
+        </p:nvSpPr>
+        <p:spPr/>
+        <p:txBody>
+          <a:bodyPr/>
+          <a:lstStyle/>
+          <a:p>
+            <a:r>
+              <a:rPr lang="en-US"/>
+              <a:t>Sau đây, em xin chạy thử website này</a:t>
+            </a:r>
+          </a:p>
+        </p:txBody>
+      </p:sp>
+      <p:sp>
+        <p:nvSpPr>
+          <p:cNvPr id="4" name="Slide Number Placeholder 3"/>
+          <p:cNvSpPr>
+            <a:spLocks noGrp="1"/>
+          </p:cNvSpPr>
+          <p:nvPr>
+            <p:ph type="sldNum" sz="quarter" idx="10"/>
+          </p:nvPr>
+        </p:nvSpPr>
+        <p:spPr/>
+        <p:txBody>
+          <a:bodyPr/>
+          <a:lstStyle/>
+          <a:p>
+            <a:fld id="{11299D7C-3B8E-4E9E-B6DA-40F991CFF841}" type="slidenum">
+              <a:rPr lang="en-US" smtClean="0"/>
+              <a:t>9</a:t>
+            </a:fld>
+            <a:endParaRPr lang="en-US"/>
+          </a:p>
+        </p:txBody>
+      </p:sp>
+    </p:spTree>
+    <p:extLst>
+      <p:ext uri="{BB962C8B-B14F-4D97-AF65-F5344CB8AC3E}">
+        <p14:creationId xmlns:p14="http://schemas.microsoft.com/office/powerpoint/2010/main" val="665539643"/>
       </p:ext>
     </p:extLst>
   </p:cSld>
@@ -5198,7 +5752,7 @@
           <a:p>
             <a:fld id="{03CC3B77-984C-4065-8DD8-7B19F2ABE91B}" type="datetimeFigureOut">
               <a:rPr lang="en-US" smtClean="0"/>
-              <a:t>1/11/2018</a:t>
+              <a:t>1/13/2018</a:t>
             </a:fld>
             <a:endParaRPr lang="en-US"/>
           </a:p>
@@ -5406,7 +5960,7 @@
           <a:p>
             <a:fld id="{03CC3B77-984C-4065-8DD8-7B19F2ABE91B}" type="datetimeFigureOut">
               <a:rPr lang="en-US" smtClean="0"/>
-              <a:t>1/11/2018</a:t>
+              <a:t>1/13/2018</a:t>
             </a:fld>
             <a:endParaRPr lang="en-US"/>
           </a:p>
@@ -5662,7 +6216,7 @@
           <a:p>
             <a:fld id="{03CC3B77-984C-4065-8DD8-7B19F2ABE91B}" type="datetimeFigureOut">
               <a:rPr lang="en-US" smtClean="0"/>
-              <a:t>1/11/2018</a:t>
+              <a:t>1/13/2018</a:t>
             </a:fld>
             <a:endParaRPr lang="en-US"/>
           </a:p>
@@ -5832,7 +6386,7 @@
           <a:p>
             <a:fld id="{03CC3B77-984C-4065-8DD8-7B19F2ABE91B}" type="datetimeFigureOut">
               <a:rPr lang="en-US" smtClean="0"/>
-              <a:t>1/11/2018</a:t>
+              <a:t>1/13/2018</a:t>
             </a:fld>
             <a:endParaRPr lang="en-US"/>
           </a:p>
@@ -6175,7 +6729,7 @@
           <a:p>
             <a:fld id="{03CC3B77-984C-4065-8DD8-7B19F2ABE91B}" type="datetimeFigureOut">
               <a:rPr lang="en-US" smtClean="0"/>
-              <a:t>1/11/2018</a:t>
+              <a:t>1/13/2018</a:t>
             </a:fld>
             <a:endParaRPr lang="en-US"/>
           </a:p>
@@ -6450,7 +7004,7 @@
           <a:p>
             <a:fld id="{03CC3B77-984C-4065-8DD8-7B19F2ABE91B}" type="datetimeFigureOut">
               <a:rPr lang="en-US" smtClean="0"/>
-              <a:t>1/11/2018</a:t>
+              <a:t>1/13/2018</a:t>
             </a:fld>
             <a:endParaRPr lang="en-US"/>
           </a:p>
@@ -6829,7 +7383,7 @@
           <a:p>
             <a:fld id="{03CC3B77-984C-4065-8DD8-7B19F2ABE91B}" type="datetimeFigureOut">
               <a:rPr lang="en-US" smtClean="0"/>
-              <a:t>1/11/2018</a:t>
+              <a:t>1/13/2018</a:t>
             </a:fld>
             <a:endParaRPr lang="en-US"/>
           </a:p>
@@ -6947,7 +7501,7 @@
           <a:p>
             <a:fld id="{03CC3B77-984C-4065-8DD8-7B19F2ABE91B}" type="datetimeFigureOut">
               <a:rPr lang="en-US" smtClean="0"/>
-              <a:t>1/11/2018</a:t>
+              <a:t>1/13/2018</a:t>
             </a:fld>
             <a:endParaRPr lang="en-US"/>
           </a:p>
@@ -7118,7 +7672,7 @@
           <a:p>
             <a:fld id="{03CC3B77-984C-4065-8DD8-7B19F2ABE91B}" type="datetimeFigureOut">
               <a:rPr lang="en-US" smtClean="0"/>
-              <a:t>1/11/2018</a:t>
+              <a:t>1/13/2018</a:t>
             </a:fld>
             <a:endParaRPr lang="en-US"/>
           </a:p>
@@ -7472,7 +8026,7 @@
           <a:p>
             <a:fld id="{03CC3B77-984C-4065-8DD8-7B19F2ABE91B}" type="datetimeFigureOut">
               <a:rPr lang="en-US" smtClean="0"/>
-              <a:t>1/11/2018</a:t>
+              <a:t>1/13/2018</a:t>
             </a:fld>
             <a:endParaRPr lang="en-US"/>
           </a:p>
@@ -7849,7 +8403,7 @@
           <a:p>
             <a:fld id="{03CC3B77-984C-4065-8DD8-7B19F2ABE91B}" type="datetimeFigureOut">
               <a:rPr lang="en-US" smtClean="0"/>
-              <a:t>1/11/2018</a:t>
+              <a:t>1/13/2018</a:t>
             </a:fld>
             <a:endParaRPr lang="en-US"/>
           </a:p>
@@ -8136,7 +8690,7 @@
           <a:p>
             <a:fld id="{03CC3B77-984C-4065-8DD8-7B19F2ABE91B}" type="datetimeFigureOut">
               <a:rPr lang="en-US" smtClean="0"/>
-              <a:t>1/11/2018</a:t>
+              <a:t>1/13/2018</a:t>
             </a:fld>
             <a:endParaRPr lang="en-US"/>
           </a:p>
@@ -8969,6 +9523,18 @@
   <p:clrMapOvr>
     <a:masterClrMapping/>
   </p:clrMapOvr>
+  <mc:AlternateContent xmlns:mc="http://schemas.openxmlformats.org/markup-compatibility/2006" xmlns:p14="http://schemas.microsoft.com/office/powerpoint/2010/main">
+    <mc:Choice Requires="p14">
+      <p:transition spd="med" p14:dur="700">
+        <p:fade/>
+      </p:transition>
+    </mc:Choice>
+    <mc:Fallback xmlns="">
+      <p:transition spd="med">
+        <p:fade/>
+      </p:transition>
+    </mc:Fallback>
+  </mc:AlternateContent>
 </p:sld>
 </file>
 
@@ -9033,7 +9599,7 @@
             <p:ph idx="1"/>
             <p:extLst>
               <p:ext uri="{D42A27DB-BD31-4B8C-83A1-F6EECF244321}">
-                <p14:modId xmlns:p14="http://schemas.microsoft.com/office/powerpoint/2010/main" val="2626927335"/>
+                <p14:modId xmlns:p14="http://schemas.microsoft.com/office/powerpoint/2010/main" val="686848420"/>
               </p:ext>
             </p:extLst>
           </p:nvPr>
@@ -9044,7 +9610,7 @@
         </p:xfrm>
         <a:graphic>
           <a:graphicData uri="http://schemas.openxmlformats.org/drawingml/2006/diagram">
-            <dgm:relIds xmlns:dgm="http://schemas.openxmlformats.org/drawingml/2006/diagram" xmlns:r="http://schemas.openxmlformats.org/officeDocument/2006/relationships" r:dm="rId2" r:lo="rId3" r:qs="rId4" r:cs="rId5"/>
+            <dgm:relIds xmlns:dgm="http://schemas.openxmlformats.org/drawingml/2006/diagram" xmlns:r="http://schemas.openxmlformats.org/officeDocument/2006/relationships" r:dm="rId3" r:lo="rId4" r:qs="rId5" r:cs="rId6"/>
           </a:graphicData>
         </a:graphic>
       </p:graphicFrame>
@@ -9058,6 +9624,18 @@
   <p:clrMapOvr>
     <a:masterClrMapping/>
   </p:clrMapOvr>
+  <mc:AlternateContent xmlns:mc="http://schemas.openxmlformats.org/markup-compatibility/2006" xmlns:p14="http://schemas.microsoft.com/office/powerpoint/2010/main">
+    <mc:Choice Requires="p14">
+      <p:transition spd="slow" p14:dur="800">
+        <p:circle/>
+      </p:transition>
+    </mc:Choice>
+    <mc:Fallback xmlns="">
+      <p:transition spd="slow">
+        <p:circle/>
+      </p:transition>
+    </mc:Fallback>
+  </mc:AlternateContent>
 </p:sld>
 </file>
 
@@ -9167,7 +9745,7 @@
                 <a:latin typeface="Calibri" panose="020F0502020204030204" pitchFamily="34" charset="0"/>
                 <a:cs typeface="Calibri" panose="020F0502020204030204" pitchFamily="34" charset="0"/>
               </a:rPr>
-              <a:t>Bắt kịp su h</a:t>
+              <a:t>Bắt kịp xu h</a:t>
             </a:r>
             <a:r>
               <a:rPr lang="vi-VN" sz="2600">
@@ -9181,7 +9759,7 @@
                 <a:latin typeface="Calibri" panose="020F0502020204030204" pitchFamily="34" charset="0"/>
                 <a:cs typeface="Calibri" panose="020F0502020204030204" pitchFamily="34" charset="0"/>
               </a:rPr>
-              <a:t>ớng tin học hóa của nhiều lĩnh vực</a:t>
+              <a:t>ớng tin học hóa</a:t>
             </a:r>
             <a:endParaRPr lang="en-US" sz="2600"/>
           </a:p>
@@ -9197,6 +9775,18 @@
   <p:clrMapOvr>
     <a:masterClrMapping/>
   </p:clrMapOvr>
+  <mc:AlternateContent xmlns:mc="http://schemas.openxmlformats.org/markup-compatibility/2006" xmlns:p14="http://schemas.microsoft.com/office/powerpoint/2010/main">
+    <mc:Choice Requires="p14">
+      <p:transition spd="slow" p14:dur="800">
+        <p:circle/>
+      </p:transition>
+    </mc:Choice>
+    <mc:Fallback xmlns="">
+      <p:transition spd="slow">
+        <p:circle/>
+      </p:transition>
+    </mc:Fallback>
+  </mc:AlternateContent>
 </p:sld>
 </file>
 
@@ -9335,6 +9925,9 @@
   <p:clrMapOvr>
     <a:masterClrMapping/>
   </p:clrMapOvr>
+  <p:transition spd="slow">
+    <p:wipe/>
+  </p:transition>
 </p:sld>
 </file>
 
@@ -9490,6 +10083,18 @@
   <p:clrMapOvr>
     <a:masterClrMapping/>
   </p:clrMapOvr>
+  <mc:AlternateContent xmlns:mc="http://schemas.openxmlformats.org/markup-compatibility/2006" xmlns:p14="http://schemas.microsoft.com/office/powerpoint/2010/main">
+    <mc:Choice Requires="p14">
+      <p:transition spd="med" p14:dur="700">
+        <p:fade/>
+      </p:transition>
+    </mc:Choice>
+    <mc:Fallback xmlns="">
+      <p:transition spd="med">
+        <p:fade/>
+      </p:transition>
+    </mc:Fallback>
+  </mc:AlternateContent>
 </p:sld>
 </file>
 
@@ -9515,7 +10120,7 @@
           <p:cNvPr id="2" name="Title 1">
             <a:extLst>
               <a:ext uri="{FF2B5EF4-FFF2-40B4-BE49-F238E27FC236}">
-                <a16:creationId xmlns:a16="http://schemas.microsoft.com/office/drawing/2014/main" id="{7AF80EA3-F46C-414E-ABF4-6100102D74DC}"/>
+                <a16:creationId xmlns:a16="http://schemas.microsoft.com/office/drawing/2014/main" id="{CE7DEC31-DDEC-4005-AC10-5C4BE0C54779}"/>
               </a:ext>
             </a:extLst>
           </p:cNvPr>
@@ -9533,7 +10138,7 @@
           <a:p>
             <a:r>
               <a:rPr lang="en-US"/>
-              <a:t>II. Cơ sở lý thuyết</a:t>
+              <a:t>II. Nội dung thực hiện</a:t>
             </a:r>
           </a:p>
         </p:txBody>
@@ -9543,7 +10148,7 @@
           <p:cNvPr id="3" name="Content Placeholder 2">
             <a:extLst>
               <a:ext uri="{FF2B5EF4-FFF2-40B4-BE49-F238E27FC236}">
-                <a16:creationId xmlns:a16="http://schemas.microsoft.com/office/drawing/2014/main" id="{E9B676FC-2C04-4EB8-8647-BEA3EB2D1886}"/>
+                <a16:creationId xmlns:a16="http://schemas.microsoft.com/office/drawing/2014/main" id="{13C00AF8-667B-4C85-8D87-1CDBB92AC0BC}"/>
               </a:ext>
             </a:extLst>
           </p:cNvPr>
@@ -9562,72 +10167,350 @@
           <a:lstStyle/>
           <a:p>
             <a:pPr>
+              <a:lnSpc>
+                <a:spcPct val="150000"/>
+              </a:lnSpc>
               <a:buFont typeface="Wingdings" panose="05000000000000000000" pitchFamily="2" charset="2"/>
               <a:buChar char="Ø"/>
             </a:pPr>
             <a:r>
               <a:rPr lang="en-US" sz="2800"/>
-              <a:t>PHP Laravel Framework</a:t>
-            </a:r>
-          </a:p>
+              <a:t>Thiết kế hệ thống</a:t>
+            </a:r>
+          </a:p>
+          <a:p>
+            <a:pPr lvl="1">
+              <a:lnSpc>
+                <a:spcPct val="150000"/>
+              </a:lnSpc>
+              <a:buFont typeface="Arial" panose="020B0604020202020204" pitchFamily="34" charset="0"/>
+              <a:buChar char="•"/>
+            </a:pPr>
+            <a:r>
+              <a:rPr lang="en-US" sz="2400"/>
+              <a:t>Nghiên cứu sơ bộ và trình bày bài toán</a:t>
+            </a:r>
+          </a:p>
+          <a:p>
+            <a:pPr lvl="1">
+              <a:lnSpc>
+                <a:spcPct val="150000"/>
+              </a:lnSpc>
+              <a:buFont typeface="Arial" panose="020B0604020202020204" pitchFamily="34" charset="0"/>
+              <a:buChar char="•"/>
+            </a:pPr>
+            <a:r>
+              <a:rPr lang="en-US" sz="2400"/>
+              <a:t>Xây dựng sơ đồ Usecase</a:t>
+            </a:r>
+          </a:p>
+          <a:p>
+            <a:pPr lvl="1">
+              <a:lnSpc>
+                <a:spcPct val="150000"/>
+              </a:lnSpc>
+              <a:buFont typeface="Arial" panose="020B0604020202020204" pitchFamily="34" charset="0"/>
+              <a:buChar char="•"/>
+            </a:pPr>
+            <a:r>
+              <a:rPr lang="en-US" sz="2400"/>
+              <a:t>Xây dựng sơ đồ ERD</a:t>
+            </a:r>
+          </a:p>
+          <a:p>
+            <a:pPr lvl="1">
+              <a:lnSpc>
+                <a:spcPct val="150000"/>
+              </a:lnSpc>
+              <a:buFont typeface="Arial" panose="020B0604020202020204" pitchFamily="34" charset="0"/>
+              <a:buChar char="•"/>
+            </a:pPr>
+            <a:r>
+              <a:rPr lang="en-US" sz="2400"/>
+              <a:t>Xây dựng sơ đồ hoạt động</a:t>
+            </a:r>
+          </a:p>
+          <a:p>
+            <a:pPr lvl="1">
+              <a:lnSpc>
+                <a:spcPct val="150000"/>
+              </a:lnSpc>
+              <a:buFont typeface="Arial" panose="020B0604020202020204" pitchFamily="34" charset="0"/>
+              <a:buChar char="•"/>
+            </a:pPr>
+            <a:r>
+              <a:rPr lang="en-US" sz="2400"/>
+              <a:t>Xây dựng sơ đồ tuần tự</a:t>
+            </a:r>
+          </a:p>
+        </p:txBody>
+      </p:sp>
+    </p:spTree>
+    <p:extLst>
+      <p:ext uri="{BB962C8B-B14F-4D97-AF65-F5344CB8AC3E}">
+        <p14:creationId xmlns:p14="http://schemas.microsoft.com/office/powerpoint/2010/main" val="2779803379"/>
+      </p:ext>
+    </p:extLst>
+  </p:cSld>
+  <p:clrMapOvr>
+    <a:masterClrMapping/>
+  </p:clrMapOvr>
+  <p:transition spd="med">
+    <p:pull/>
+  </p:transition>
+</p:sld>
+</file>
+
+<file path=ppt/slides/slide7.xml><?xml version="1.0" encoding="utf-8"?>
+<p:sld xmlns:a="http://schemas.openxmlformats.org/drawingml/2006/main" xmlns:r="http://schemas.openxmlformats.org/officeDocument/2006/relationships" xmlns:p="http://schemas.openxmlformats.org/presentationml/2006/main">
+  <p:cSld>
+    <p:spTree>
+      <p:nvGrpSpPr>
+        <p:cNvPr id="1" name=""/>
+        <p:cNvGrpSpPr/>
+        <p:nvPr/>
+      </p:nvGrpSpPr>
+      <p:grpSpPr>
+        <a:xfrm>
+          <a:off x="0" y="0"/>
+          <a:ext cx="0" cy="0"/>
+          <a:chOff x="0" y="0"/>
+          <a:chExt cx="0" cy="0"/>
+        </a:xfrm>
+      </p:grpSpPr>
+      <p:sp>
+        <p:nvSpPr>
+          <p:cNvPr id="2" name="Title 1">
+            <a:extLst>
+              <a:ext uri="{FF2B5EF4-FFF2-40B4-BE49-F238E27FC236}">
+                <a16:creationId xmlns:a16="http://schemas.microsoft.com/office/drawing/2014/main" id="{CE7DEC31-DDEC-4005-AC10-5C4BE0C54779}"/>
+              </a:ext>
+            </a:extLst>
+          </p:cNvPr>
+          <p:cNvSpPr>
+            <a:spLocks noGrp="1"/>
+          </p:cNvSpPr>
+          <p:nvPr>
+            <p:ph type="title"/>
+          </p:nvPr>
+        </p:nvSpPr>
+        <p:spPr/>
+        <p:txBody>
+          <a:bodyPr/>
+          <a:lstStyle/>
+          <a:p>
+            <a:r>
+              <a:rPr lang="en-US"/>
+              <a:t>II. Nội dung thực hiện</a:t>
+            </a:r>
+          </a:p>
+        </p:txBody>
+      </p:sp>
+      <p:sp>
+        <p:nvSpPr>
+          <p:cNvPr id="3" name="Content Placeholder 2">
+            <a:extLst>
+              <a:ext uri="{FF2B5EF4-FFF2-40B4-BE49-F238E27FC236}">
+                <a16:creationId xmlns:a16="http://schemas.microsoft.com/office/drawing/2014/main" id="{13C00AF8-667B-4C85-8D87-1CDBB92AC0BC}"/>
+              </a:ext>
+            </a:extLst>
+          </p:cNvPr>
+          <p:cNvSpPr>
+            <a:spLocks noGrp="1"/>
+          </p:cNvSpPr>
+          <p:nvPr>
+            <p:ph idx="1"/>
+          </p:nvPr>
+        </p:nvSpPr>
+        <p:spPr/>
+        <p:txBody>
+          <a:bodyPr>
+            <a:normAutofit/>
+          </a:bodyPr>
+          <a:lstStyle/>
           <a:p>
             <a:pPr>
+              <a:lnSpc>
+                <a:spcPct val="150000"/>
+              </a:lnSpc>
               <a:buFont typeface="Wingdings" panose="05000000000000000000" pitchFamily="2" charset="2"/>
               <a:buChar char="Ø"/>
             </a:pPr>
             <a:r>
               <a:rPr lang="en-US" sz="2800"/>
-              <a:t>MySQL</a:t>
-            </a:r>
-          </a:p>
+              <a:t>Xây dựng hệ thống</a:t>
+            </a:r>
+          </a:p>
+          <a:p>
+            <a:pPr lvl="1">
+              <a:lnSpc>
+                <a:spcPct val="150000"/>
+              </a:lnSpc>
+              <a:buFont typeface="Arial" panose="020B0604020202020204" pitchFamily="34" charset="0"/>
+              <a:buChar char="•"/>
+            </a:pPr>
+            <a:r>
+              <a:rPr lang="en-US" sz="2400"/>
+              <a:t>Thiết kế giao diện</a:t>
+            </a:r>
+          </a:p>
+          <a:p>
+            <a:pPr lvl="1">
+              <a:lnSpc>
+                <a:spcPct val="150000"/>
+              </a:lnSpc>
+              <a:buFont typeface="Arial" panose="020B0604020202020204" pitchFamily="34" charset="0"/>
+              <a:buChar char="•"/>
+            </a:pPr>
+            <a:r>
+              <a:rPr lang="en-US" sz="2400"/>
+              <a:t>Viết code</a:t>
+            </a:r>
+          </a:p>
+          <a:p>
+            <a:pPr lvl="1">
+              <a:lnSpc>
+                <a:spcPct val="150000"/>
+              </a:lnSpc>
+              <a:buFont typeface="Arial" panose="020B0604020202020204" pitchFamily="34" charset="0"/>
+              <a:buChar char="•"/>
+            </a:pPr>
+            <a:r>
+              <a:rPr lang="en-US" sz="2400"/>
+              <a:t>Kiểm tra và sửa lỗi</a:t>
+            </a:r>
+          </a:p>
+        </p:txBody>
+      </p:sp>
+    </p:spTree>
+    <p:extLst>
+      <p:ext uri="{BB962C8B-B14F-4D97-AF65-F5344CB8AC3E}">
+        <p14:creationId xmlns:p14="http://schemas.microsoft.com/office/powerpoint/2010/main" val="3999700975"/>
+      </p:ext>
+    </p:extLst>
+  </p:cSld>
+  <p:clrMapOvr>
+    <a:masterClrMapping/>
+  </p:clrMapOvr>
+  <mc:AlternateContent xmlns:mc="http://schemas.openxmlformats.org/markup-compatibility/2006" xmlns:p14="http://schemas.microsoft.com/office/powerpoint/2010/main">
+    <mc:Choice Requires="p14">
+      <p:transition spd="med" p14:dur="700">
+        <p:fade/>
+      </p:transition>
+    </mc:Choice>
+    <mc:Fallback xmlns="">
+      <p:transition spd="med">
+        <p:fade/>
+      </p:transition>
+    </mc:Fallback>
+  </mc:AlternateContent>
+</p:sld>
+</file>
+
+<file path=ppt/slides/slide8.xml><?xml version="1.0" encoding="utf-8"?>
+<p:sld xmlns:a="http://schemas.openxmlformats.org/drawingml/2006/main" xmlns:r="http://schemas.openxmlformats.org/officeDocument/2006/relationships" xmlns:p="http://schemas.openxmlformats.org/presentationml/2006/main">
+  <p:cSld>
+    <p:spTree>
+      <p:nvGrpSpPr>
+        <p:cNvPr id="1" name=""/>
+        <p:cNvGrpSpPr/>
+        <p:nvPr/>
+      </p:nvGrpSpPr>
+      <p:grpSpPr>
+        <a:xfrm>
+          <a:off x="0" y="0"/>
+          <a:ext cx="0" cy="0"/>
+          <a:chOff x="0" y="0"/>
+          <a:chExt cx="0" cy="0"/>
+        </a:xfrm>
+      </p:grpSpPr>
+      <p:sp>
+        <p:nvSpPr>
+          <p:cNvPr id="2" name="Title 1">
+            <a:extLst>
+              <a:ext uri="{FF2B5EF4-FFF2-40B4-BE49-F238E27FC236}">
+                <a16:creationId xmlns:a16="http://schemas.microsoft.com/office/drawing/2014/main" id="{49D7F9FE-4A12-4492-B206-CB819ED602E8}"/>
+              </a:ext>
+            </a:extLst>
+          </p:cNvPr>
+          <p:cNvSpPr>
+            <a:spLocks noGrp="1"/>
+          </p:cNvSpPr>
+          <p:nvPr>
+            <p:ph type="title"/>
+          </p:nvPr>
+        </p:nvSpPr>
+        <p:spPr/>
+        <p:txBody>
+          <a:bodyPr/>
+          <a:lstStyle/>
+          <a:p>
+            <a:r>
+              <a:rPr lang="en-US"/>
+              <a:t>III. Kết luận</a:t>
+            </a:r>
+          </a:p>
+        </p:txBody>
+      </p:sp>
+      <p:sp>
+        <p:nvSpPr>
+          <p:cNvPr id="3" name="Content Placeholder 2">
+            <a:extLst>
+              <a:ext uri="{FF2B5EF4-FFF2-40B4-BE49-F238E27FC236}">
+                <a16:creationId xmlns:a16="http://schemas.microsoft.com/office/drawing/2014/main" id="{F02BBBF7-D2CD-4A6C-9542-895E73419DB2}"/>
+              </a:ext>
+            </a:extLst>
+          </p:cNvPr>
+          <p:cNvSpPr>
+            <a:spLocks noGrp="1"/>
+          </p:cNvSpPr>
+          <p:nvPr>
+            <p:ph idx="1"/>
+          </p:nvPr>
+        </p:nvSpPr>
+        <p:spPr/>
+        <p:txBody>
+          <a:bodyPr>
+            <a:normAutofit/>
+          </a:bodyPr>
+          <a:lstStyle/>
           <a:p>
             <a:pPr>
+              <a:lnSpc>
+                <a:spcPct val="200000"/>
+              </a:lnSpc>
               <a:buFont typeface="Wingdings" panose="05000000000000000000" pitchFamily="2" charset="2"/>
               <a:buChar char="Ø"/>
             </a:pPr>
             <a:r>
               <a:rPr lang="en-US" sz="2800"/>
-              <a:t>MongoDB</a:t>
+              <a:t>Kết quả đạt được</a:t>
             </a:r>
           </a:p>
           <a:p>
             <a:pPr>
+              <a:lnSpc>
+                <a:spcPct val="200000"/>
+              </a:lnSpc>
               <a:buFont typeface="Wingdings" panose="05000000000000000000" pitchFamily="2" charset="2"/>
               <a:buChar char="Ø"/>
             </a:pPr>
             <a:r>
               <a:rPr lang="en-US" sz="2800"/>
-              <a:t>SASS</a:t>
+              <a:t>Hạn chế</a:t>
             </a:r>
           </a:p>
           <a:p>
             <a:pPr>
+              <a:lnSpc>
+                <a:spcPct val="200000"/>
+              </a:lnSpc>
               <a:buFont typeface="Wingdings" panose="05000000000000000000" pitchFamily="2" charset="2"/>
               <a:buChar char="Ø"/>
             </a:pPr>
             <a:r>
               <a:rPr lang="en-US" sz="2800"/>
-              <a:t>ECMAScript2015 (ES6)</a:t>
-            </a:r>
-          </a:p>
-          <a:p>
-            <a:pPr>
-              <a:buFont typeface="Wingdings" panose="05000000000000000000" pitchFamily="2" charset="2"/>
-              <a:buChar char="Ø"/>
-            </a:pPr>
-            <a:r>
-              <a:rPr lang="en-US" sz="2800"/>
-              <a:t>ReactJS</a:t>
-            </a:r>
-          </a:p>
-          <a:p>
-            <a:pPr>
-              <a:buFont typeface="Wingdings" panose="05000000000000000000" pitchFamily="2" charset="2"/>
-              <a:buChar char="Ø"/>
-            </a:pPr>
-            <a:r>
-              <a:rPr lang="en-US" sz="2800"/>
-              <a:t>Webpack</a:t>
+              <a:t>Hướng phát triển thêm</a:t>
             </a:r>
           </a:p>
         </p:txBody>
@@ -9635,7 +10518,68 @@
     </p:spTree>
     <p:extLst>
       <p:ext uri="{BB962C8B-B14F-4D97-AF65-F5344CB8AC3E}">
-        <p14:creationId xmlns:p14="http://schemas.microsoft.com/office/powerpoint/2010/main" val="3492649363"/>
+        <p14:creationId xmlns:p14="http://schemas.microsoft.com/office/powerpoint/2010/main" val="93712405"/>
+      </p:ext>
+    </p:extLst>
+  </p:cSld>
+  <p:clrMapOvr>
+    <a:masterClrMapping/>
+  </p:clrMapOvr>
+  <p:transition spd="slow">
+    <p:cover dir="u"/>
+  </p:transition>
+</p:sld>
+</file>
+
+<file path=ppt/slides/slide9.xml><?xml version="1.0" encoding="utf-8"?>
+<p:sld xmlns:a="http://schemas.openxmlformats.org/drawingml/2006/main" xmlns:r="http://schemas.openxmlformats.org/officeDocument/2006/relationships" xmlns:p="http://schemas.openxmlformats.org/presentationml/2006/main">
+  <p:cSld>
+    <p:spTree>
+      <p:nvGrpSpPr>
+        <p:cNvPr id="1" name=""/>
+        <p:cNvGrpSpPr/>
+        <p:nvPr/>
+      </p:nvGrpSpPr>
+      <p:grpSpPr>
+        <a:xfrm>
+          <a:off x="0" y="0"/>
+          <a:ext cx="0" cy="0"/>
+          <a:chOff x="0" y="0"/>
+          <a:chExt cx="0" cy="0"/>
+        </a:xfrm>
+      </p:grpSpPr>
+      <p:sp>
+        <p:nvSpPr>
+          <p:cNvPr id="4" name="Title 3">
+            <a:extLst>
+              <a:ext uri="{FF2B5EF4-FFF2-40B4-BE49-F238E27FC236}">
+                <a16:creationId xmlns:a16="http://schemas.microsoft.com/office/drawing/2014/main" id="{F6491EBA-183C-429B-B734-7B82E1401C27}"/>
+              </a:ext>
+            </a:extLst>
+          </p:cNvPr>
+          <p:cNvSpPr>
+            <a:spLocks noGrp="1"/>
+          </p:cNvSpPr>
+          <p:nvPr>
+            <p:ph type="title"/>
+          </p:nvPr>
+        </p:nvSpPr>
+        <p:spPr/>
+        <p:txBody>
+          <a:bodyPr/>
+          <a:lstStyle/>
+          <a:p>
+            <a:r>
+              <a:rPr lang="en-US"/>
+              <a:t>IV. Demo website</a:t>
+            </a:r>
+          </a:p>
+        </p:txBody>
+      </p:sp>
+    </p:spTree>
+    <p:extLst>
+      <p:ext uri="{BB962C8B-B14F-4D97-AF65-F5344CB8AC3E}">
+        <p14:creationId xmlns:p14="http://schemas.microsoft.com/office/powerpoint/2010/main" val="2453940918"/>
       </p:ext>
     </p:extLst>
   </p:cSld>
